--- a/x0000001_HiSLIP 通信の概要と仕組み/350_Table_5_Initialization_Transaction.pptx
+++ b/x0000001_HiSLIP 通信の概要と仕組み/350_Table_5_Initialization_Transaction.pptx
@@ -223,7 +223,7 @@
           <a:p>
             <a:fld id="{8A4CF053-040B-44B7-89E9-8CB547445B7F}" type="datetimeFigureOut">
               <a:rPr kumimoji="1" lang="ja-JP" altLang="en-US" smtClean="0"/>
-              <a:t>2023/3/11</a:t>
+              <a:t>2023/3/12</a:t>
             </a:fld>
             <a:endParaRPr kumimoji="1" lang="ja-JP" altLang="en-US"/>
           </a:p>
@@ -753,7 +753,7 @@
           <a:p>
             <a:fld id="{450CE236-8E69-46A3-A89B-50E3FB1BE869}" type="datetimeFigureOut">
               <a:rPr kumimoji="1" lang="ja-JP" altLang="en-US" smtClean="0"/>
-              <a:t>2023/3/11</a:t>
+              <a:t>2023/3/12</a:t>
             </a:fld>
             <a:endParaRPr kumimoji="1" lang="ja-JP" altLang="en-US"/>
           </a:p>
@@ -983,7 +983,7 @@
           <a:p>
             <a:fld id="{450CE236-8E69-46A3-A89B-50E3FB1BE869}" type="datetimeFigureOut">
               <a:rPr kumimoji="1" lang="ja-JP" altLang="en-US" smtClean="0"/>
-              <a:t>2023/3/11</a:t>
+              <a:t>2023/3/12</a:t>
             </a:fld>
             <a:endParaRPr kumimoji="1" lang="ja-JP" altLang="en-US"/>
           </a:p>
@@ -1223,7 +1223,7 @@
           <a:p>
             <a:fld id="{450CE236-8E69-46A3-A89B-50E3FB1BE869}" type="datetimeFigureOut">
               <a:rPr kumimoji="1" lang="ja-JP" altLang="en-US" smtClean="0"/>
-              <a:t>2023/3/11</a:t>
+              <a:t>2023/3/12</a:t>
             </a:fld>
             <a:endParaRPr kumimoji="1" lang="ja-JP" altLang="en-US"/>
           </a:p>
@@ -1453,7 +1453,7 @@
           <a:p>
             <a:fld id="{450CE236-8E69-46A3-A89B-50E3FB1BE869}" type="datetimeFigureOut">
               <a:rPr kumimoji="1" lang="ja-JP" altLang="en-US" smtClean="0"/>
-              <a:t>2023/3/11</a:t>
+              <a:t>2023/3/12</a:t>
             </a:fld>
             <a:endParaRPr kumimoji="1" lang="ja-JP" altLang="en-US"/>
           </a:p>
@@ -1728,7 +1728,7 @@
           <a:p>
             <a:fld id="{450CE236-8E69-46A3-A89B-50E3FB1BE869}" type="datetimeFigureOut">
               <a:rPr kumimoji="1" lang="ja-JP" altLang="en-US" smtClean="0"/>
-              <a:t>2023/3/11</a:t>
+              <a:t>2023/3/12</a:t>
             </a:fld>
             <a:endParaRPr kumimoji="1" lang="ja-JP" altLang="en-US"/>
           </a:p>
@@ -2057,7 +2057,7 @@
           <a:p>
             <a:fld id="{450CE236-8E69-46A3-A89B-50E3FB1BE869}" type="datetimeFigureOut">
               <a:rPr kumimoji="1" lang="ja-JP" altLang="en-US" smtClean="0"/>
-              <a:t>2023/3/11</a:t>
+              <a:t>2023/3/12</a:t>
             </a:fld>
             <a:endParaRPr kumimoji="1" lang="ja-JP" altLang="en-US"/>
           </a:p>
@@ -2533,7 +2533,7 @@
           <a:p>
             <a:fld id="{450CE236-8E69-46A3-A89B-50E3FB1BE869}" type="datetimeFigureOut">
               <a:rPr kumimoji="1" lang="ja-JP" altLang="en-US" smtClean="0"/>
-              <a:t>2023/3/11</a:t>
+              <a:t>2023/3/12</a:t>
             </a:fld>
             <a:endParaRPr kumimoji="1" lang="ja-JP" altLang="en-US"/>
           </a:p>
@@ -2674,7 +2674,7 @@
           <a:p>
             <a:fld id="{450CE236-8E69-46A3-A89B-50E3FB1BE869}" type="datetimeFigureOut">
               <a:rPr kumimoji="1" lang="ja-JP" altLang="en-US" smtClean="0"/>
-              <a:t>2023/3/11</a:t>
+              <a:t>2023/3/12</a:t>
             </a:fld>
             <a:endParaRPr kumimoji="1" lang="ja-JP" altLang="en-US"/>
           </a:p>
@@ -2787,7 +2787,7 @@
           <a:p>
             <a:fld id="{450CE236-8E69-46A3-A89B-50E3FB1BE869}" type="datetimeFigureOut">
               <a:rPr kumimoji="1" lang="ja-JP" altLang="en-US" smtClean="0"/>
-              <a:t>2023/3/11</a:t>
+              <a:t>2023/3/12</a:t>
             </a:fld>
             <a:endParaRPr kumimoji="1" lang="ja-JP" altLang="en-US"/>
           </a:p>
@@ -3130,7 +3130,7 @@
           <a:p>
             <a:fld id="{450CE236-8E69-46A3-A89B-50E3FB1BE869}" type="datetimeFigureOut">
               <a:rPr kumimoji="1" lang="ja-JP" altLang="en-US" smtClean="0"/>
-              <a:t>2023/3/11</a:t>
+              <a:t>2023/3/12</a:t>
             </a:fld>
             <a:endParaRPr kumimoji="1" lang="ja-JP" altLang="en-US"/>
           </a:p>
@@ -3418,7 +3418,7 @@
           <a:p>
             <a:fld id="{450CE236-8E69-46A3-A89B-50E3FB1BE869}" type="datetimeFigureOut">
               <a:rPr kumimoji="1" lang="ja-JP" altLang="en-US" smtClean="0"/>
-              <a:t>2023/3/11</a:t>
+              <a:t>2023/3/12</a:t>
             </a:fld>
             <a:endParaRPr kumimoji="1" lang="ja-JP" altLang="en-US"/>
           </a:p>
@@ -3691,7 +3691,7 @@
           <a:p>
             <a:fld id="{450CE236-8E69-46A3-A89B-50E3FB1BE869}" type="datetimeFigureOut">
               <a:rPr kumimoji="1" lang="ja-JP" altLang="en-US" smtClean="0"/>
-              <a:t>2023/3/11</a:t>
+              <a:t>2023/3/12</a:t>
             </a:fld>
             <a:endParaRPr kumimoji="1" lang="ja-JP" altLang="en-US"/>
           </a:p>
@@ -4692,43 +4692,6 @@
           </a:p>
         </p:txBody>
       </p:sp>
-      <p:sp>
-        <p:nvSpPr>
-          <p:cNvPr id="52" name="テキスト ボックス 51">
-            <a:extLst>
-              <a:ext uri="{FF2B5EF4-FFF2-40B4-BE49-F238E27FC236}">
-                <a16:creationId xmlns:a16="http://schemas.microsoft.com/office/drawing/2014/main" id="{AD036888-FFC0-A1BD-7155-D51C8098DF78}"/>
-              </a:ext>
-            </a:extLst>
-          </p:cNvPr>
-          <p:cNvSpPr txBox="1"/>
-          <p:nvPr/>
-        </p:nvSpPr>
-        <p:spPr>
-          <a:xfrm>
-            <a:off x="1977779" y="2004610"/>
-            <a:ext cx="582211" cy="215444"/>
-          </a:xfrm>
-          <a:prstGeom prst="rect">
-            <a:avLst/>
-          </a:prstGeom>
-          <a:noFill/>
-        </p:spPr>
-        <p:txBody>
-          <a:bodyPr wrap="none" rtlCol="0">
-            <a:spAutoFit/>
-          </a:bodyPr>
-          <a:lstStyle/>
-          <a:p>
-            <a:pPr algn="r"/>
-            <a:r>
-              <a:rPr kumimoji="1" lang="en-US" altLang="ja-JP" sz="800" dirty="0"/>
-              <a:t>Initialize</a:t>
-            </a:r>
-            <a:endParaRPr kumimoji="1" lang="ja-JP" altLang="en-US" sz="800" dirty="0"/>
-          </a:p>
-        </p:txBody>
-      </p:sp>
       <p:cxnSp>
         <p:nvCxnSpPr>
           <p:cNvPr id="53" name="直線矢印コネクタ 52">
@@ -4859,7 +4822,7 @@
         <p:spPr>
           <a:xfrm>
             <a:off x="2586780" y="1544902"/>
-            <a:ext cx="1638590" cy="584775"/>
+            <a:ext cx="1667444" cy="584775"/>
           </a:xfrm>
           <a:prstGeom prst="rect">
             <a:avLst/>
@@ -4880,26 +4843,21 @@
           <a:p>
             <a:r>
               <a:rPr kumimoji="1" lang="en-US" altLang="ja-JP" sz="800" dirty="0"/>
-              <a:t>&lt;</a:t>
-            </a:r>
-            <a:r>
-              <a:rPr kumimoji="1" lang="en-US" altLang="ja-JP" sz="800" dirty="0" err="1"/>
-              <a:t>upper:client-protocol-version</a:t>
-            </a:r>
-            <a:endParaRPr kumimoji="1" lang="en-US" altLang="ja-JP" sz="800" dirty="0"/>
+              <a:t>&lt;upper: client-protocol-version</a:t>
+            </a:r>
           </a:p>
           <a:p>
             <a:r>
               <a:rPr kumimoji="1" lang="en-US" altLang="ja-JP" sz="800" dirty="0"/>
-              <a:t> : lower :client-</a:t>
-            </a:r>
-            <a:r>
-              <a:rPr kumimoji="1" lang="en-US" altLang="ja-JP" sz="800" dirty="0" err="1"/>
-              <a:t>vendorID</a:t>
+              <a:t> : lower: client-vendor</a:t>
+            </a:r>
+            <a:r>
+              <a:rPr lang="ja-JP" altLang="en-US" sz="800" dirty="0"/>
+              <a:t> </a:t>
             </a:r>
             <a:r>
               <a:rPr kumimoji="1" lang="en-US" altLang="ja-JP" sz="800" dirty="0"/>
-              <a:t>&gt;</a:t>
+              <a:t>ID&gt;</a:t>
             </a:r>
           </a:p>
           <a:p>
@@ -5089,15 +5047,7 @@
             <a:pPr algn="r"/>
             <a:r>
               <a:rPr kumimoji="1" lang="en-US" altLang="ja-JP" sz="800" dirty="0"/>
-              <a:t>&lt;server-</a:t>
-            </a:r>
-            <a:r>
-              <a:rPr kumimoji="1" lang="en-US" altLang="ja-JP" sz="800" dirty="0" err="1"/>
-              <a:t>vendorID</a:t>
-            </a:r>
-            <a:r>
-              <a:rPr kumimoji="1" lang="en-US" altLang="ja-JP" sz="800" dirty="0"/>
-              <a:t>&gt;&lt;0&gt;</a:t>
+              <a:t>&lt;server-vendor ID&gt;&lt;0&gt;</a:t>
             </a:r>
             <a:endParaRPr kumimoji="1" lang="ja-JP" altLang="en-US" sz="800" dirty="0"/>
           </a:p>
@@ -5197,10 +5147,10 @@
       </p:cxnSp>
       <p:sp>
         <p:nvSpPr>
-          <p:cNvPr id="18" name="テキスト ボックス 17">
-            <a:extLst>
-              <a:ext uri="{FF2B5EF4-FFF2-40B4-BE49-F238E27FC236}">
-                <a16:creationId xmlns:a16="http://schemas.microsoft.com/office/drawing/2014/main" id="{13A7C8B5-6C94-F463-B38A-42AEE12B1412}"/>
+          <p:cNvPr id="19" name="テキスト ボックス 18">
+            <a:extLst>
+              <a:ext uri="{FF2B5EF4-FFF2-40B4-BE49-F238E27FC236}">
+                <a16:creationId xmlns:a16="http://schemas.microsoft.com/office/drawing/2014/main" id="{AC6462BE-62A4-DADF-35BC-3B2098D29311}"/>
               </a:ext>
             </a:extLst>
           </p:cNvPr>
@@ -5209,8 +5159,8 @@
         </p:nvSpPr>
         <p:spPr>
           <a:xfrm>
-            <a:off x="1752671" y="4166559"/>
-            <a:ext cx="865943" cy="215444"/>
+            <a:off x="4537596" y="4732452"/>
+            <a:ext cx="1378904" cy="338554"/>
           </a:xfrm>
           <a:prstGeom prst="rect">
             <a:avLst/>
@@ -5223,21 +5173,38 @@
           </a:bodyPr>
           <a:lstStyle/>
           <a:p>
-            <a:pPr algn="r"/>
             <a:r>
               <a:rPr kumimoji="1" lang="en-US" altLang="ja-JP" sz="800" dirty="0"/>
               <a:t>AsyncInitialize</a:t>
             </a:r>
-            <a:endParaRPr kumimoji="1" lang="ja-JP" altLang="en-US" sz="800" dirty="0"/>
-          </a:p>
-        </p:txBody>
-      </p:sp>
-      <p:sp>
-        <p:nvSpPr>
-          <p:cNvPr id="19" name="テキスト ボックス 18">
-            <a:extLst>
-              <a:ext uri="{FF2B5EF4-FFF2-40B4-BE49-F238E27FC236}">
-                <a16:creationId xmlns:a16="http://schemas.microsoft.com/office/drawing/2014/main" id="{AC6462BE-62A4-DADF-35BC-3B2098D29311}"/>
+            <a:r>
+              <a:rPr kumimoji="1" lang="ja-JP" altLang="en-US" sz="800" dirty="0"/>
+              <a:t>に応答して</a:t>
+            </a:r>
+            <a:endParaRPr kumimoji="1" lang="en-US" altLang="ja-JP" sz="800" dirty="0"/>
+          </a:p>
+          <a:p>
+            <a:r>
+              <a:rPr lang="ja-JP" altLang="en-US" sz="800" dirty="0"/>
+              <a:t>ベンダー</a:t>
+            </a:r>
+            <a:r>
+              <a:rPr lang="en-US" altLang="ja-JP" sz="800" dirty="0"/>
+              <a:t>ID</a:t>
+            </a:r>
+            <a:r>
+              <a:rPr kumimoji="1" lang="ja-JP" altLang="en-US" sz="800" dirty="0"/>
+              <a:t>を返す</a:t>
+            </a:r>
+          </a:p>
+        </p:txBody>
+      </p:sp>
+      <p:sp>
+        <p:nvSpPr>
+          <p:cNvPr id="22" name="テキスト ボックス 21">
+            <a:extLst>
+              <a:ext uri="{FF2B5EF4-FFF2-40B4-BE49-F238E27FC236}">
+                <a16:creationId xmlns:a16="http://schemas.microsoft.com/office/drawing/2014/main" id="{C6BD33BD-1E04-DA4B-D298-CDF125E13ED9}"/>
               </a:ext>
             </a:extLst>
           </p:cNvPr>
@@ -5246,8 +5213,8 @@
         </p:nvSpPr>
         <p:spPr>
           <a:xfrm>
-            <a:off x="4537596" y="4732452"/>
-            <a:ext cx="1378904" cy="338554"/>
+            <a:off x="940873" y="4058936"/>
+            <a:ext cx="1664238" cy="338554"/>
           </a:xfrm>
           <a:prstGeom prst="rect">
             <a:avLst/>
@@ -5260,17 +5227,83 @@
           </a:bodyPr>
           <a:lstStyle/>
           <a:p>
+            <a:pPr algn="r"/>
             <a:r>
               <a:rPr kumimoji="1" lang="en-US" altLang="ja-JP" sz="800" dirty="0"/>
-              <a:t>AsyncInitialize</a:t>
+              <a:t>InitializeResponse</a:t>
+            </a:r>
+            <a:r>
+              <a:rPr lang="ja-JP" altLang="en-US" sz="800" dirty="0"/>
+              <a:t>で受け取った</a:t>
+            </a:r>
+            <a:endParaRPr lang="en-US" altLang="ja-JP" sz="800" dirty="0"/>
+          </a:p>
+          <a:p>
+            <a:pPr algn="r"/>
+            <a:r>
+              <a:rPr lang="ja-JP" altLang="en-US" sz="800" dirty="0"/>
+              <a:t>セッション</a:t>
+            </a:r>
+            <a:r>
+              <a:rPr lang="en-US" altLang="ja-JP" sz="800" dirty="0"/>
+              <a:t>ID</a:t>
             </a:r>
             <a:r>
               <a:rPr kumimoji="1" lang="ja-JP" altLang="en-US" sz="800" dirty="0"/>
-              <a:t>に応答して</a:t>
-            </a:r>
-            <a:endParaRPr kumimoji="1" lang="en-US" altLang="ja-JP" sz="800" dirty="0"/>
-          </a:p>
-          <a:p>
+              <a:t>を渡す</a:t>
+            </a:r>
+          </a:p>
+        </p:txBody>
+      </p:sp>
+      <p:sp>
+        <p:nvSpPr>
+          <p:cNvPr id="23" name="テキスト ボックス 22">
+            <a:extLst>
+              <a:ext uri="{FF2B5EF4-FFF2-40B4-BE49-F238E27FC236}">
+                <a16:creationId xmlns:a16="http://schemas.microsoft.com/office/drawing/2014/main" id="{C460E2A8-1560-094A-B6E8-744CF66E5E10}"/>
+              </a:ext>
+            </a:extLst>
+          </p:cNvPr>
+          <p:cNvSpPr txBox="1"/>
+          <p:nvPr/>
+        </p:nvSpPr>
+        <p:spPr>
+          <a:xfrm>
+            <a:off x="1268244" y="1835571"/>
+            <a:ext cx="1313180" cy="461665"/>
+          </a:xfrm>
+          <a:prstGeom prst="rect">
+            <a:avLst/>
+          </a:prstGeom>
+          <a:noFill/>
+        </p:spPr>
+        <p:txBody>
+          <a:bodyPr wrap="none" rtlCol="0">
+            <a:spAutoFit/>
+          </a:bodyPr>
+          <a:lstStyle/>
+          <a:p>
+            <a:pPr algn="r"/>
+            <a:r>
+              <a:rPr kumimoji="1" lang="en-US" altLang="ja-JP" sz="800" dirty="0"/>
+              <a:t>Initialize</a:t>
+            </a:r>
+            <a:r>
+              <a:rPr lang="ja-JP" altLang="en-US" sz="800" dirty="0"/>
+              <a:t>で</a:t>
+            </a:r>
+            <a:endParaRPr lang="en-US" altLang="ja-JP" sz="800" dirty="0"/>
+          </a:p>
+          <a:p>
+            <a:pPr algn="r"/>
+            <a:r>
+              <a:rPr lang="ja-JP" altLang="en-US" sz="800" dirty="0"/>
+              <a:t>プロトコルバージョンと</a:t>
+            </a:r>
+            <a:endParaRPr lang="en-US" altLang="ja-JP" sz="800" dirty="0"/>
+          </a:p>
+          <a:p>
+            <a:pPr algn="r"/>
             <a:r>
               <a:rPr lang="ja-JP" altLang="en-US" sz="800" dirty="0"/>
               <a:t>ベンダー</a:t>
@@ -5281,7 +5314,7 @@
             </a:r>
             <a:r>
               <a:rPr kumimoji="1" lang="ja-JP" altLang="en-US" sz="800" dirty="0"/>
-              <a:t>を返す</a:t>
+              <a:t>を渡す</a:t>
             </a:r>
           </a:p>
         </p:txBody>
